--- a/Presentacion RHarari.pptx
+++ b/Presentacion RHarari.pptx
@@ -4024,50 +4024,6 @@
       </p:grpSp>
       <p:sp>
         <p:nvSpPr>
-          <p:cNvPr id="2" name="Title 1">
-            <a:extLst>
-              <a:ext uri="{FF2B5EF4-FFF2-40B4-BE49-F238E27FC236}">
-                <a16:creationId xmlns:a16="http://schemas.microsoft.com/office/drawing/2014/main" id="{090E4B90-E4AA-4DA3-83E4-931C2848615B}"/>
-              </a:ext>
-            </a:extLst>
-          </p:cNvPr>
-          <p:cNvSpPr>
-            <a:spLocks noGrp="1"/>
-          </p:cNvSpPr>
-          <p:nvPr>
-            <p:ph type="ctrTitle"/>
-          </p:nvPr>
-        </p:nvSpPr>
-        <p:spPr>
-          <a:xfrm>
-            <a:off x="2312277" y="413695"/>
-            <a:ext cx="7405874" cy="2813775"/>
-          </a:xfrm>
-        </p:spPr>
-        <p:txBody>
-          <a:bodyPr anchor="ctr">
-            <a:normAutofit/>
-          </a:bodyPr>
-          <a:lstStyle/>
-          <a:p>
-            <a:r>
-              <a:rPr lang="en-US" sz="4800" dirty="0">
-                <a:solidFill>
-                  <a:srgbClr val="000000"/>
-                </a:solidFill>
-              </a:rPr>
-              <a:t>Grupo</a:t>
-            </a:r>
-            <a:endParaRPr lang="es-AR" sz="4800" dirty="0">
-              <a:solidFill>
-                <a:srgbClr val="000000"/>
-              </a:solidFill>
-            </a:endParaRPr>
-          </a:p>
-        </p:txBody>
-      </p:sp>
-      <p:sp>
-        <p:nvSpPr>
           <p:cNvPr id="3" name="Subtitle 2">
             <a:extLst>
               <a:ext uri="{FF2B5EF4-FFF2-40B4-BE49-F238E27FC236}">
@@ -4116,7 +4072,7 @@
                   <a:srgbClr val="000000"/>
                 </a:solidFill>
               </a:rPr>
-              <a:t>Construccion</a:t>
+              <a:t>Construcción</a:t>
             </a:r>
             <a:r>
               <a:rPr lang="en-US" dirty="0">
@@ -4363,13 +4319,8 @@
             </a:pPr>
             <a:r>
               <a:rPr lang="en-US" dirty="0"/>
-              <a:t>Ramiro </a:t>
-            </a:r>
-            <a:r>
-              <a:rPr lang="en-US" dirty="0" err="1"/>
-              <a:t>Haari</a:t>
-            </a:r>
-            <a:endParaRPr lang="en-US" dirty="0"/>
+              <a:t>Ramiro Harari</a:t>
+            </a:r>
           </a:p>
         </p:txBody>
       </p:sp>
@@ -9836,64 +9787,40 @@
       </p:pic>
       <p:pic>
         <p:nvPicPr>
-          <p:cNvPr id="1026" name="Picture 2"/>
+          <p:cNvPr id="3" name="Picture 2">
+            <a:extLst>
+              <a:ext uri="{FF2B5EF4-FFF2-40B4-BE49-F238E27FC236}">
+                <a16:creationId xmlns:a16="http://schemas.microsoft.com/office/drawing/2014/main" id="{61CE3A74-EED9-4CDC-8BAD-FDCC6ECA8DA0}"/>
+              </a:ext>
+            </a:extLst>
+          </p:cNvPr>
           <p:cNvPicPr>
-            <a:picLocks noChangeAspect="1" noChangeArrowheads="1"/>
+            <a:picLocks noChangeAspect="1"/>
           </p:cNvPicPr>
           <p:nvPr/>
         </p:nvPicPr>
         <p:blipFill>
-          <a:blip r:embed="rId4">
-            <a:extLst>
-              <a:ext uri="{28A0092B-C50C-407E-A947-70E740481C1C}">
-                <a14:useLocalDpi xmlns:a14="http://schemas.microsoft.com/office/drawing/2010/main" val="0"/>
-              </a:ext>
-            </a:extLst>
-          </a:blip>
-          <a:srcRect/>
+          <a:blip r:embed="rId4"/>
           <a:stretch>
             <a:fillRect/>
           </a:stretch>
         </p:blipFill>
-        <p:spPr bwMode="auto">
-          <a:xfrm>
-            <a:off x="4635110" y="2043463"/>
-            <a:ext cx="6256336" cy="1598573"/>
+        <p:spPr>
+          <a:xfrm>
+            <a:off x="5348061" y="1778126"/>
+            <a:ext cx="4562475" cy="266700"/>
           </a:xfrm>
           <a:prstGeom prst="rect">
             <a:avLst/>
           </a:prstGeom>
-          <a:noFill/>
-          <a:ln>
-            <a:noFill/>
-          </a:ln>
-          <a:extLst>
-            <a:ext uri="{909E8E84-426E-40DD-AFC4-6F175D3DCCD1}">
-              <a14:hiddenFill xmlns:a14="http://schemas.microsoft.com/office/drawing/2010/main">
-                <a:solidFill>
-                  <a:schemeClr val="accent1"/>
-                </a:solidFill>
-              </a14:hiddenFill>
-            </a:ext>
-            <a:ext uri="{91240B29-F687-4F45-9708-019B960494DF}">
-              <a14:hiddenLine xmlns:a14="http://schemas.microsoft.com/office/drawing/2010/main" w="9525">
-                <a:solidFill>
-                  <a:schemeClr val="tx1"/>
-                </a:solidFill>
-                <a:miter lim="800000"/>
-                <a:headEnd/>
-                <a:tailEnd/>
-              </a14:hiddenLine>
-            </a:ext>
-          </a:extLst>
         </p:spPr>
       </p:pic>
       <p:pic>
         <p:nvPicPr>
-          <p:cNvPr id="3" name="Picture 2">
+          <p:cNvPr id="4" name="Picture 3">
             <a:extLst>
               <a:ext uri="{FF2B5EF4-FFF2-40B4-BE49-F238E27FC236}">
-                <a16:creationId xmlns:a16="http://schemas.microsoft.com/office/drawing/2014/main" id="{61CE3A74-EED9-4CDC-8BAD-FDCC6ECA8DA0}"/>
+                <a16:creationId xmlns:a16="http://schemas.microsoft.com/office/drawing/2014/main" id="{2FFB7781-736D-4C79-88D2-20AD265D17BF}"/>
               </a:ext>
             </a:extLst>
           </p:cNvPr>
@@ -9910,8 +9837,8 @@
         </p:blipFill>
         <p:spPr>
           <a:xfrm>
-            <a:off x="5284949" y="1751713"/>
-            <a:ext cx="4562475" cy="266700"/>
+            <a:off x="4539591" y="1975707"/>
+            <a:ext cx="6531630" cy="1632908"/>
           </a:xfrm>
           <a:prstGeom prst="rect">
             <a:avLst/>
